--- a/Grupp 7 powerpoint.pptx
+++ b/Grupp 7 powerpoint.pptx
@@ -8,10 +8,9 @@
     <p:sldId id="256" r:id="rId2"/>
     <p:sldId id="257" r:id="rId3"/>
     <p:sldId id="258" r:id="rId4"/>
-    <p:sldId id="259" r:id="rId5"/>
+    <p:sldId id="263" r:id="rId5"/>
     <p:sldId id="260" r:id="rId6"/>
     <p:sldId id="261" r:id="rId7"/>
-    <p:sldId id="262" r:id="rId8"/>
   </p:sldIdLst>
   <p:sldSz cx="12192000" cy="6858000"/>
   <p:notesSz cx="6858000" cy="9144000"/>
@@ -110,6 +109,11 @@
       </a:defRPr>
     </a:lvl9pPr>
   </p:defaultTextStyle>
+  <p:extLst>
+    <p:ext uri="{EFAFB233-063F-42B5-8137-9DF3F51BA10A}">
+      <p15:sldGuideLst xmlns:p15="http://schemas.microsoft.com/office/powerpoint/2012/main"/>
+    </p:ext>
+  </p:extLst>
 </p:presentation>
 </file>
 
@@ -441,7 +445,7 @@
             <a:pPr algn="l"/>
             <a:fld id="{0DCFB061-4267-4D9F-8017-6F550D3068DF}" type="datetime1">
               <a:rPr lang="en-US" smtClean="0"/>
-              <a:t>12/21/2020</a:t>
+              <a:t>12/22/2020</a:t>
             </a:fld>
             <a:endParaRPr lang="en-US" dirty="0"/>
           </a:p>
@@ -634,7 +638,7 @@
           <a:p>
             <a:fld id="{8141BC61-5547-4A60-8DA1-6699760D9972}" type="datetime1">
               <a:rPr lang="en-US" smtClean="0"/>
-              <a:t>12/21/2020</a:t>
+              <a:t>12/22/2020</a:t>
             </a:fld>
             <a:endParaRPr lang="en-US" dirty="0"/>
           </a:p>
@@ -819,7 +823,7 @@
           <a:p>
             <a:fld id="{24B9D1C6-60D0-4CD1-8F31-F912522EB041}" type="datetime1">
               <a:rPr lang="en-US" smtClean="0"/>
-              <a:t>12/21/2020</a:t>
+              <a:t>12/22/2020</a:t>
             </a:fld>
             <a:endParaRPr lang="en-US" dirty="0"/>
           </a:p>
@@ -1048,7 +1052,7 @@
           <a:p>
             <a:fld id="{47A4ED5C-5A53-433E-8A55-46F54CE81DA5}" type="datetime1">
               <a:rPr lang="en-US" smtClean="0"/>
-              <a:t>12/21/2020</a:t>
+              <a:t>12/22/2020</a:t>
             </a:fld>
             <a:endParaRPr lang="en-US" dirty="0"/>
           </a:p>
@@ -1375,7 +1379,7 @@
           <a:p>
             <a:fld id="{29CABC0C-B6DF-45E9-B954-11C99AA62C3E}" type="datetime1">
               <a:rPr lang="en-US" smtClean="0"/>
-              <a:t>12/21/2020</a:t>
+              <a:t>12/22/2020</a:t>
             </a:fld>
             <a:endParaRPr lang="en-US" dirty="0"/>
           </a:p>
@@ -1671,7 +1675,7 @@
           <a:p>
             <a:fld id="{A4AB71B9-2624-4F21-93EE-35A78B1A0DAD}" type="datetime1">
               <a:rPr lang="en-US" smtClean="0"/>
-              <a:t>12/21/2020</a:t>
+              <a:t>12/22/2020</a:t>
             </a:fld>
             <a:endParaRPr lang="en-US" dirty="0"/>
           </a:p>
@@ -2092,7 +2096,7 @@
           <a:p>
             <a:fld id="{36D37C2A-BE2E-4840-A907-3254E2916C96}" type="datetime1">
               <a:rPr lang="en-US" smtClean="0"/>
-              <a:t>12/21/2020</a:t>
+              <a:t>12/22/2020</a:t>
             </a:fld>
             <a:endParaRPr lang="en-US" dirty="0"/>
           </a:p>
@@ -2290,7 +2294,7 @@
           <a:p>
             <a:fld id="{005CD215-1C45-48A0-8534-39FFE8A7C95A}" type="datetime1">
               <a:rPr lang="en-US" smtClean="0"/>
-              <a:t>12/21/2020</a:t>
+              <a:t>12/22/2020</a:t>
             </a:fld>
             <a:endParaRPr lang="en-US" dirty="0"/>
           </a:p>
@@ -2399,7 +2403,7 @@
           <a:p>
             <a:fld id="{D3363A0F-DEF3-4134-98D0-2E1276938A8B}" type="datetime1">
               <a:rPr lang="en-US" smtClean="0"/>
-              <a:t>12/21/2020</a:t>
+              <a:t>12/22/2020</a:t>
             </a:fld>
             <a:endParaRPr lang="en-US" dirty="0"/>
           </a:p>
@@ -2820,7 +2824,7 @@
           <a:p>
             <a:fld id="{61A2E4C8-2960-4ADD-862C-4D9643CB15AC}" type="datetime1">
               <a:rPr lang="en-US" smtClean="0"/>
-              <a:t>12/21/2020</a:t>
+              <a:t>12/22/2020</a:t>
             </a:fld>
             <a:endParaRPr lang="en-US" dirty="0"/>
           </a:p>
@@ -3173,7 +3177,7 @@
           <a:p>
             <a:fld id="{48BDEA15-09CD-4275-A8E0-385C965F48B0}" type="datetime1">
               <a:rPr lang="en-US" smtClean="0"/>
-              <a:t>12/21/2020</a:t>
+              <a:t>12/22/2020</a:t>
             </a:fld>
             <a:endParaRPr lang="en-US" dirty="0"/>
           </a:p>
@@ -3478,7 +3482,7 @@
           <a:p>
             <a:fld id="{4AF8082C-0922-4249-A612-B415F5231620}" type="datetime1">
               <a:rPr lang="en-US" smtClean="0"/>
-              <a:t>12/21/2020</a:t>
+              <a:t>12/22/2020</a:t>
             </a:fld>
             <a:endParaRPr lang="en-US" dirty="0"/>
           </a:p>
@@ -4565,14 +4569,19 @@
             <p:ph type="title"/>
           </p:nvPr>
         </p:nvSpPr>
-        <p:spPr/>
+        <p:spPr>
+          <a:xfrm>
+            <a:off x="0" y="705113"/>
+            <a:ext cx="4476750" cy="5197498"/>
+          </a:xfrm>
+        </p:spPr>
         <p:txBody>
           <a:bodyPr/>
           <a:lstStyle/>
           <a:p>
             <a:r>
               <a:rPr lang="sv-SE" dirty="0"/>
-              <a:t>Presentationens upplägg</a:t>
+              <a:t>Presentationens 	upplägg</a:t>
             </a:r>
           </a:p>
         </p:txBody>
@@ -4685,14 +4694,19 @@
             <p:ph type="title"/>
           </p:nvPr>
         </p:nvSpPr>
-        <p:spPr/>
+        <p:spPr>
+          <a:xfrm>
+            <a:off x="219075" y="705113"/>
+            <a:ext cx="4314825" cy="5197498"/>
+          </a:xfrm>
+        </p:spPr>
         <p:txBody>
           <a:bodyPr/>
           <a:lstStyle/>
           <a:p>
             <a:r>
               <a:rPr lang="sv-SE" dirty="0"/>
-              <a:t>Grupp dynamik och engagemang</a:t>
+              <a:t>Grupp dynamik 	  och engagemang</a:t>
             </a:r>
             <a:br>
               <a:rPr lang="sv-SE" dirty="0"/>
@@ -4776,14 +4790,6 @@
 <file path=ppt/slides/slide4.xml><?xml version="1.0" encoding="utf-8"?>
 <p:sld xmlns:a="http://schemas.openxmlformats.org/drawingml/2006/main" xmlns:r="http://schemas.openxmlformats.org/officeDocument/2006/relationships" xmlns:p="http://schemas.openxmlformats.org/presentationml/2006/main">
   <p:cSld>
-    <p:bg>
-      <p:bgPr>
-        <a:solidFill>
-          <a:schemeClr val="bg2"/>
-        </a:solidFill>
-        <a:effectLst/>
-      </p:bgPr>
-    </p:bg>
     <p:spTree>
       <p:nvGrpSpPr>
         <p:cNvPr id="1" name=""/>
@@ -4800,327 +4806,10 @@
       </p:grpSpPr>
       <p:sp>
         <p:nvSpPr>
-          <p:cNvPr id="72" name="Rectangle 51">
-            <a:extLst>
-              <a:ext uri="{FF2B5EF4-FFF2-40B4-BE49-F238E27FC236}">
-                <a16:creationId xmlns:a16="http://schemas.microsoft.com/office/drawing/2014/main" id="{1ED69555-EE48-4B19-812B-4E1068DBF976}"/>
-              </a:ext>
-              <a:ext uri="{C183D7F6-B498-43B3-948B-1728B52AA6E4}">
-                <adec:decorative xmlns:adec="http://schemas.microsoft.com/office/drawing/2017/decorative" val="1"/>
-              </a:ext>
-            </a:extLst>
-          </p:cNvPr>
-          <p:cNvSpPr>
-            <a:spLocks noGrp="1" noRot="1" noChangeAspect="1" noMove="1" noResize="1" noEditPoints="1" noAdjustHandles="1" noChangeArrowheads="1" noChangeShapeType="1" noTextEdit="1"/>
-          </p:cNvSpPr>
-          <p:nvPr>
-            <p:extLst>
-              <p:ext uri="{386F3935-93C4-4BCD-93E2-E3B085C9AB24}">
-                <p16:designElem xmlns:p16="http://schemas.microsoft.com/office/powerpoint/2015/main" val="1"/>
-              </p:ext>
-            </p:extLst>
-          </p:nvPr>
-        </p:nvSpPr>
-        <p:spPr>
-          <a:xfrm>
-            <a:off x="7573754" y="0"/>
-            <a:ext cx="4618246" cy="6858000"/>
-          </a:xfrm>
-          <a:prstGeom prst="rect">
-            <a:avLst/>
-          </a:prstGeom>
-          <a:solidFill>
-            <a:schemeClr val="bg1">
-              <a:alpha val="75000"/>
-            </a:schemeClr>
-          </a:solidFill>
-          <a:ln>
-            <a:noFill/>
-          </a:ln>
-        </p:spPr>
-        <p:style>
-          <a:lnRef idx="2">
-            <a:schemeClr val="accent1">
-              <a:shade val="50000"/>
-            </a:schemeClr>
-          </a:lnRef>
-          <a:fillRef idx="1">
-            <a:schemeClr val="accent1"/>
-          </a:fillRef>
-          <a:effectRef idx="0">
-            <a:schemeClr val="accent1"/>
-          </a:effectRef>
-          <a:fontRef idx="minor">
-            <a:schemeClr val="lt1"/>
-          </a:fontRef>
-        </p:style>
-        <p:txBody>
-          <a:bodyPr rtlCol="0" anchor="ctr"/>
-          <a:lstStyle/>
-          <a:p>
-            <a:pPr algn="ctr"/>
-            <a:endParaRPr lang="en-US"/>
-          </a:p>
-        </p:txBody>
-      </p:sp>
-      <p:sp>
-        <p:nvSpPr>
-          <p:cNvPr id="73" name="Freeform 57">
-            <a:extLst>
-              <a:ext uri="{FF2B5EF4-FFF2-40B4-BE49-F238E27FC236}">
-                <a16:creationId xmlns:a16="http://schemas.microsoft.com/office/drawing/2014/main" id="{57AEB73D-F521-4B19-820F-12DB6BCC8406}"/>
-              </a:ext>
-              <a:ext uri="{C183D7F6-B498-43B3-948B-1728B52AA6E4}">
-                <adec:decorative xmlns:adec="http://schemas.microsoft.com/office/drawing/2017/decorative" val="1"/>
-              </a:ext>
-            </a:extLst>
-          </p:cNvPr>
-          <p:cNvSpPr>
-            <a:spLocks noGrp="1" noRot="1" noChangeAspect="1" noMove="1" noResize="1" noEditPoints="1" noAdjustHandles="1" noChangeArrowheads="1" noChangeShapeType="1" noTextEdit="1"/>
-          </p:cNvSpPr>
-          <p:nvPr>
-            <p:extLst>
-              <p:ext uri="{386F3935-93C4-4BCD-93E2-E3B085C9AB24}">
-                <p16:designElem xmlns:p16="http://schemas.microsoft.com/office/powerpoint/2015/main" val="1"/>
-              </p:ext>
-            </p:extLst>
-          </p:nvPr>
-        </p:nvSpPr>
-        <p:spPr bwMode="auto">
-          <a:xfrm>
-            <a:off x="4456113" y="31750"/>
-            <a:ext cx="0" cy="1588"/>
-          </a:xfrm>
-          <a:custGeom>
-            <a:avLst/>
-            <a:gdLst/>
-            <a:ahLst/>
-            <a:cxnLst/>
-            <a:rect l="0" t="0" r="r" b="b"/>
-            <a:pathLst>
-              <a:path w="2" h="2">
-                <a:moveTo>
-                  <a:pt x="0" y="0"/>
-                </a:moveTo>
-                <a:lnTo>
-                  <a:pt x="2" y="0"/>
-                </a:lnTo>
-                <a:lnTo>
-                  <a:pt x="0" y="2"/>
-                </a:lnTo>
-                <a:lnTo>
-                  <a:pt x="0" y="0"/>
-                </a:lnTo>
-                <a:close/>
-              </a:path>
-            </a:pathLst>
-          </a:custGeom>
-          <a:solidFill>
-            <a:srgbClr val="30466D"/>
-          </a:solidFill>
-          <a:ln w="0">
-            <a:solidFill>
-              <a:srgbClr val="30466D"/>
-            </a:solidFill>
-            <a:prstDash val="solid"/>
-            <a:round/>
-            <a:headEnd/>
-            <a:tailEnd/>
-          </a:ln>
-        </p:spPr>
-      </p:sp>
-      <p:sp>
-        <p:nvSpPr>
-          <p:cNvPr id="74" name="Rectangle 55">
-            <a:extLst>
-              <a:ext uri="{FF2B5EF4-FFF2-40B4-BE49-F238E27FC236}">
-                <a16:creationId xmlns:a16="http://schemas.microsoft.com/office/drawing/2014/main" id="{6B72EEBA-3A5D-41CE-8465-A45A0F65674E}"/>
-              </a:ext>
-              <a:ext uri="{C183D7F6-B498-43B3-948B-1728B52AA6E4}">
-                <adec:decorative xmlns:adec="http://schemas.microsoft.com/office/drawing/2017/decorative" val="1"/>
-              </a:ext>
-            </a:extLst>
-          </p:cNvPr>
-          <p:cNvSpPr>
-            <a:spLocks noGrp="1" noRot="1" noChangeAspect="1" noMove="1" noResize="1" noEditPoints="1" noAdjustHandles="1" noChangeArrowheads="1" noChangeShapeType="1" noTextEdit="1"/>
-          </p:cNvSpPr>
-          <p:nvPr>
-            <p:extLst>
-              <p:ext uri="{386F3935-93C4-4BCD-93E2-E3B085C9AB24}">
-                <p16:designElem xmlns:p16="http://schemas.microsoft.com/office/powerpoint/2015/main" val="1"/>
-              </p:ext>
-            </p:extLst>
-          </p:nvPr>
-        </p:nvSpPr>
-        <p:spPr>
-          <a:xfrm rot="5400000">
-            <a:off x="4101215" y="3396997"/>
-            <a:ext cx="6858002" cy="64008"/>
-          </a:xfrm>
-          <a:prstGeom prst="rect">
-            <a:avLst/>
-          </a:prstGeom>
-          <a:solidFill>
-            <a:schemeClr val="tx2"/>
-          </a:solidFill>
-          <a:ln>
-            <a:noFill/>
-          </a:ln>
-        </p:spPr>
-        <p:style>
-          <a:lnRef idx="2">
-            <a:schemeClr val="accent1">
-              <a:shade val="50000"/>
-            </a:schemeClr>
-          </a:lnRef>
-          <a:fillRef idx="1">
-            <a:schemeClr val="accent1"/>
-          </a:fillRef>
-          <a:effectRef idx="0">
-            <a:schemeClr val="accent1"/>
-          </a:effectRef>
-          <a:fontRef idx="minor">
-            <a:schemeClr val="lt1"/>
-          </a:fontRef>
-        </p:style>
-        <p:txBody>
-          <a:bodyPr rtlCol="0" anchor="ctr"/>
-          <a:lstStyle/>
-          <a:p>
-            <a:pPr algn="ctr"/>
-            <a:endParaRPr lang="en-US"/>
-          </a:p>
-        </p:txBody>
-      </p:sp>
-      <p:sp useBgFill="1">
-        <p:nvSpPr>
-          <p:cNvPr id="75" name="Rectangle 57">
-            <a:extLst>
-              <a:ext uri="{FF2B5EF4-FFF2-40B4-BE49-F238E27FC236}">
-                <a16:creationId xmlns:a16="http://schemas.microsoft.com/office/drawing/2014/main" id="{EA164D6B-6878-4B9F-A2D0-985D39B17B46}"/>
-              </a:ext>
-              <a:ext uri="{C183D7F6-B498-43B3-948B-1728B52AA6E4}">
-                <adec:decorative xmlns:adec="http://schemas.microsoft.com/office/drawing/2017/decorative" val="1"/>
-              </a:ext>
-            </a:extLst>
-          </p:cNvPr>
-          <p:cNvSpPr>
-            <a:spLocks noGrp="1" noRot="1" noChangeAspect="1" noMove="1" noResize="1" noEditPoints="1" noAdjustHandles="1" noChangeArrowheads="1" noChangeShapeType="1" noTextEdit="1"/>
-          </p:cNvSpPr>
-          <p:nvPr>
-            <p:extLst>
-              <p:ext uri="{386F3935-93C4-4BCD-93E2-E3B085C9AB24}">
-                <p16:designElem xmlns:p16="http://schemas.microsoft.com/office/powerpoint/2015/main" val="1"/>
-              </p:ext>
-            </p:extLst>
-          </p:nvPr>
-        </p:nvSpPr>
-        <p:spPr>
-          <a:xfrm>
-            <a:off x="-1" y="0"/>
-            <a:ext cx="12192001" cy="6858000"/>
-          </a:xfrm>
-          <a:prstGeom prst="rect">
-            <a:avLst/>
-          </a:prstGeom>
-          <a:ln>
-            <a:noFill/>
-          </a:ln>
-        </p:spPr>
-        <p:style>
-          <a:lnRef idx="2">
-            <a:schemeClr val="accent1">
-              <a:shade val="50000"/>
-            </a:schemeClr>
-          </a:lnRef>
-          <a:fillRef idx="1">
-            <a:schemeClr val="accent1"/>
-          </a:fillRef>
-          <a:effectRef idx="0">
-            <a:schemeClr val="accent1"/>
-          </a:effectRef>
-          <a:fontRef idx="minor">
-            <a:schemeClr val="lt1"/>
-          </a:fontRef>
-        </p:style>
-        <p:txBody>
-          <a:bodyPr rtlCol="0" anchor="ctr"/>
-          <a:lstStyle/>
-          <a:p>
-            <a:pPr algn="ctr"/>
-            <a:endParaRPr lang="en-US" dirty="0"/>
-          </a:p>
-        </p:txBody>
-      </p:sp>
-      <p:sp>
-        <p:nvSpPr>
-          <p:cNvPr id="76" name="Rectangle 59">
-            <a:extLst>
-              <a:ext uri="{FF2B5EF4-FFF2-40B4-BE49-F238E27FC236}">
-                <a16:creationId xmlns:a16="http://schemas.microsoft.com/office/drawing/2014/main" id="{064738AB-B6BE-4867-889A-52CE4AC8DBD0}"/>
-              </a:ext>
-              <a:ext uri="{C183D7F6-B498-43B3-948B-1728B52AA6E4}">
-                <adec:decorative xmlns:adec="http://schemas.microsoft.com/office/drawing/2017/decorative" val="1"/>
-              </a:ext>
-            </a:extLst>
-          </p:cNvPr>
-          <p:cNvSpPr>
-            <a:spLocks noGrp="1" noRot="1" noChangeAspect="1" noMove="1" noResize="1" noEditPoints="1" noAdjustHandles="1" noChangeArrowheads="1" noChangeShapeType="1" noTextEdit="1"/>
-          </p:cNvSpPr>
-          <p:nvPr>
-            <p:extLst>
-              <p:ext uri="{386F3935-93C4-4BCD-93E2-E3B085C9AB24}">
-                <p16:designElem xmlns:p16="http://schemas.microsoft.com/office/powerpoint/2015/main" val="1"/>
-              </p:ext>
-            </p:extLst>
-          </p:nvPr>
-        </p:nvSpPr>
-        <p:spPr>
-          <a:xfrm>
-            <a:off x="-1" y="1095508"/>
-            <a:ext cx="4668819" cy="5016893"/>
-          </a:xfrm>
-          <a:prstGeom prst="rect">
-            <a:avLst/>
-          </a:prstGeom>
-          <a:solidFill>
-            <a:schemeClr val="tx2"/>
-          </a:solidFill>
-          <a:ln>
-            <a:noFill/>
-          </a:ln>
-        </p:spPr>
-        <p:style>
-          <a:lnRef idx="2">
-            <a:schemeClr val="accent1">
-              <a:shade val="50000"/>
-            </a:schemeClr>
-          </a:lnRef>
-          <a:fillRef idx="1">
-            <a:schemeClr val="accent1"/>
-          </a:fillRef>
-          <a:effectRef idx="0">
-            <a:schemeClr val="accent1"/>
-          </a:effectRef>
-          <a:fontRef idx="minor">
-            <a:schemeClr val="lt1"/>
-          </a:fontRef>
-        </p:style>
-        <p:txBody>
-          <a:bodyPr rtlCol="0" anchor="ctr"/>
-          <a:lstStyle/>
-          <a:p>
-            <a:pPr algn="ctr"/>
-            <a:endParaRPr lang="en-US"/>
-          </a:p>
-        </p:txBody>
-      </p:sp>
-      <p:sp>
-        <p:nvSpPr>
           <p:cNvPr id="2" name="Rubrik 1">
             <a:extLst>
               <a:ext uri="{FF2B5EF4-FFF2-40B4-BE49-F238E27FC236}">
-                <a16:creationId xmlns:a16="http://schemas.microsoft.com/office/drawing/2014/main" id="{EB2BEF8E-1A9E-4D61-B780-E91292390102}"/>
+                <a16:creationId xmlns:a16="http://schemas.microsoft.com/office/drawing/2014/main" id="{7CFA68CD-FFC6-4C76-ACD1-FCA719F62486}"/>
               </a:ext>
             </a:extLst>
           </p:cNvPr>
@@ -5133,172 +4822,71 @@
         </p:nvSpPr>
         <p:spPr>
           <a:xfrm>
-            <a:off x="463825" y="1709530"/>
-            <a:ext cx="3754671" cy="2528515"/>
-          </a:xfrm>
-        </p:spPr>
-        <p:txBody>
-          <a:bodyPr vert="horz" lIns="109728" tIns="109728" rIns="109728" bIns="91440" rtlCol="0" anchor="b">
-            <a:normAutofit/>
-          </a:bodyPr>
-          <a:lstStyle/>
-          <a:p>
-            <a:pPr>
-              <a:lnSpc>
-                <a:spcPct val="115000"/>
-              </a:lnSpc>
-            </a:pPr>
-            <a:r>
-              <a:rPr lang="en-US" sz="3300" b="0" cap="all" dirty="0" err="1">
+            <a:off x="355108" y="705113"/>
+            <a:ext cx="3686215" cy="5197498"/>
+          </a:xfrm>
+        </p:spPr>
+        <p:txBody>
+          <a:bodyPr/>
+          <a:lstStyle/>
+          <a:p>
+            <a:r>
+              <a:rPr lang="en-US" sz="3600" b="0" cap="all" dirty="0">
                 <a:solidFill>
-                  <a:schemeClr val="bg1"/>
+                  <a:schemeClr val="tx1"/>
                 </a:solidFill>
               </a:rPr>
-              <a:t>Grundtanke</a:t>
-            </a:r>
-            <a:r>
-              <a:rPr lang="en-US" sz="3300" b="0" cap="all" dirty="0">
-                <a:solidFill>
-                  <a:schemeClr val="bg1"/>
-                </a:solidFill>
-              </a:rPr>
-              <a:t> </a:t>
-            </a:r>
-            <a:r>
-              <a:rPr lang="en-US" sz="3300" b="0" cap="all" dirty="0" err="1">
-                <a:solidFill>
-                  <a:schemeClr val="bg1"/>
-                </a:solidFill>
-              </a:rPr>
-              <a:t>samt</a:t>
-            </a:r>
-            <a:r>
-              <a:rPr lang="en-US" sz="3300" b="0" cap="all" dirty="0">
-                <a:solidFill>
-                  <a:schemeClr val="bg1"/>
-                </a:solidFill>
-              </a:rPr>
-              <a:t> </a:t>
-            </a:r>
-            <a:r>
-              <a:rPr lang="en-US" sz="3300" b="0" cap="all" dirty="0" err="1">
-                <a:solidFill>
-                  <a:schemeClr val="bg1"/>
-                </a:solidFill>
-              </a:rPr>
-              <a:t>dess</a:t>
-            </a:r>
-            <a:r>
-              <a:rPr lang="en-US" sz="3300" b="0" cap="all" dirty="0">
-                <a:solidFill>
-                  <a:schemeClr val="bg1"/>
-                </a:solidFill>
-              </a:rPr>
-              <a:t> </a:t>
-            </a:r>
-            <a:r>
-              <a:rPr lang="en-US" sz="3300" b="0" cap="all" dirty="0" err="1">
-                <a:solidFill>
-                  <a:schemeClr val="bg1"/>
-                </a:solidFill>
-              </a:rPr>
-              <a:t>utveckling</a:t>
+              <a:t>Grundtanke samt dess utveckling</a:t>
             </a:r>
             <a:br>
-              <a:rPr lang="en-US" sz="3300" b="0" cap="all" dirty="0">
-                <a:solidFill>
-                  <a:schemeClr val="bg1"/>
-                </a:solidFill>
-              </a:rPr>
+              <a:rPr lang="sv-SE" dirty="0"/>
             </a:br>
-            <a:endParaRPr lang="en-US" sz="3300" b="0" cap="all" dirty="0">
-              <a:solidFill>
-                <a:schemeClr val="bg1"/>
-              </a:solidFill>
-            </a:endParaRPr>
-          </a:p>
-        </p:txBody>
-      </p:sp>
-      <p:sp>
-        <p:nvSpPr>
-          <p:cNvPr id="77" name="Rectangle 61">
-            <a:extLst>
-              <a:ext uri="{FF2B5EF4-FFF2-40B4-BE49-F238E27FC236}">
-                <a16:creationId xmlns:a16="http://schemas.microsoft.com/office/drawing/2014/main" id="{BBD49B71-B686-4DFD-93AD-40CB19B626B9}"/>
-              </a:ext>
-              <a:ext uri="{C183D7F6-B498-43B3-948B-1728B52AA6E4}">
-                <adec:decorative xmlns:adec="http://schemas.microsoft.com/office/drawing/2017/decorative" val="1"/>
-              </a:ext>
-            </a:extLst>
-          </p:cNvPr>
-          <p:cNvSpPr>
-            <a:spLocks noGrp="1" noRot="1" noChangeAspect="1" noMove="1" noResize="1" noEditPoints="1" noAdjustHandles="1" noChangeArrowheads="1" noChangeShapeType="1" noTextEdit="1"/>
-          </p:cNvSpPr>
-          <p:nvPr>
-            <p:extLst>
-              <p:ext uri="{386F3935-93C4-4BCD-93E2-E3B085C9AB24}">
-                <p16:designElem xmlns:p16="http://schemas.microsoft.com/office/powerpoint/2015/main" val="1"/>
-              </p:ext>
-            </p:extLst>
-          </p:nvPr>
-        </p:nvSpPr>
-        <p:spPr>
-          <a:xfrm>
-            <a:off x="4672066" y="0"/>
-            <a:ext cx="7519934" cy="6858000"/>
-          </a:xfrm>
-          <a:prstGeom prst="rect">
-            <a:avLst/>
-          </a:prstGeom>
-          <a:solidFill>
-            <a:schemeClr val="bg1">
-              <a:alpha val="75000"/>
-            </a:schemeClr>
-          </a:solidFill>
-          <a:ln>
-            <a:noFill/>
-          </a:ln>
-        </p:spPr>
-        <p:style>
-          <a:lnRef idx="2">
-            <a:schemeClr val="accent1">
-              <a:shade val="50000"/>
-            </a:schemeClr>
-          </a:lnRef>
-          <a:fillRef idx="1">
-            <a:schemeClr val="accent1"/>
-          </a:fillRef>
-          <a:effectRef idx="0">
-            <a:schemeClr val="accent1"/>
-          </a:effectRef>
-          <a:fontRef idx="minor">
-            <a:schemeClr val="lt1"/>
-          </a:fontRef>
-        </p:style>
-        <p:txBody>
-          <a:bodyPr rtlCol="0" anchor="ctr"/>
-          <a:lstStyle/>
-          <a:p>
-            <a:pPr algn="ctr"/>
-            <a:endParaRPr lang="en-US"/>
+            <a:endParaRPr lang="sv-SE" dirty="0"/>
+          </a:p>
+        </p:txBody>
+      </p:sp>
+      <p:sp>
+        <p:nvSpPr>
+          <p:cNvPr id="3" name="Platshållare för innehåll 2">
+            <a:extLst>
+              <a:ext uri="{FF2B5EF4-FFF2-40B4-BE49-F238E27FC236}">
+                <a16:creationId xmlns:a16="http://schemas.microsoft.com/office/drawing/2014/main" id="{16A9F651-FDF0-4AAD-8A3A-B0956B9B7A96}"/>
+              </a:ext>
+            </a:extLst>
+          </p:cNvPr>
+          <p:cNvSpPr>
+            <a:spLocks noGrp="1"/>
+          </p:cNvSpPr>
+          <p:nvPr>
+            <p:ph idx="1"/>
+          </p:nvPr>
+        </p:nvSpPr>
+        <p:spPr/>
+        <p:txBody>
+          <a:bodyPr/>
+          <a:lstStyle/>
+          <a:p>
+            <a:pPr marL="285750" indent="-285750">
+              <a:buFont typeface="Arial" panose="020B0604020202020204" pitchFamily="34" charset="0"/>
+              <a:buChar char="•"/>
+            </a:pPr>
+            <a:endParaRPr lang="sv-SE" dirty="0"/>
           </a:p>
         </p:txBody>
       </p:sp>
       <p:pic>
         <p:nvPicPr>
-          <p:cNvPr id="5" name="Platshållare för innehåll 4">
-            <a:extLst>
-              <a:ext uri="{FF2B5EF4-FFF2-40B4-BE49-F238E27FC236}">
-                <a16:creationId xmlns:a16="http://schemas.microsoft.com/office/drawing/2014/main" id="{9007F2F3-AACB-4CCB-8868-11CDE3C53386}"/>
+          <p:cNvPr id="4" name="Platshållare för innehåll 4">
+            <a:extLst>
+              <a:ext uri="{FF2B5EF4-FFF2-40B4-BE49-F238E27FC236}">
+                <a16:creationId xmlns:a16="http://schemas.microsoft.com/office/drawing/2014/main" id="{8DCCAD93-319C-4D44-AC35-A590DE2DD0EE}"/>
               </a:ext>
             </a:extLst>
           </p:cNvPr>
           <p:cNvPicPr>
-            <a:picLocks noGrp="1" noChangeAspect="1"/>
+            <a:picLocks noChangeAspect="1"/>
           </p:cNvPicPr>
-          <p:nvPr>
-            <p:ph idx="1"/>
-          </p:nvPr>
+          <p:nvPr/>
         </p:nvPicPr>
         <p:blipFill>
           <a:blip r:embed="rId2">
@@ -5322,75 +4910,12 @@
           </a:prstGeom>
         </p:spPr>
       </p:pic>
-      <p:sp>
-        <p:nvSpPr>
-          <p:cNvPr id="78" name="Rectangle 63">
-            <a:extLst>
-              <a:ext uri="{FF2B5EF4-FFF2-40B4-BE49-F238E27FC236}">
-                <a16:creationId xmlns:a16="http://schemas.microsoft.com/office/drawing/2014/main" id="{7C60369F-A41B-4D6E-8990-30E2715C5730}"/>
-              </a:ext>
-              <a:ext uri="{C183D7F6-B498-43B3-948B-1728B52AA6E4}">
-                <adec:decorative xmlns:adec="http://schemas.microsoft.com/office/drawing/2017/decorative" val="1"/>
-              </a:ext>
-            </a:extLst>
-          </p:cNvPr>
-          <p:cNvSpPr>
-            <a:spLocks noGrp="1" noRot="1" noChangeAspect="1" noMove="1" noResize="1" noEditPoints="1" noAdjustHandles="1" noChangeArrowheads="1" noChangeShapeType="1" noTextEdit="1"/>
-          </p:cNvSpPr>
-          <p:nvPr>
-            <p:extLst>
-              <p:ext uri="{386F3935-93C4-4BCD-93E2-E3B085C9AB24}">
-                <p16:designElem xmlns:p16="http://schemas.microsoft.com/office/powerpoint/2015/main" val="1"/>
-              </p:ext>
-            </p:extLst>
-          </p:nvPr>
-        </p:nvSpPr>
-        <p:spPr>
-          <a:xfrm>
-            <a:off x="4606534" y="0"/>
-            <a:ext cx="64008" cy="6858000"/>
-          </a:xfrm>
-          <a:prstGeom prst="rect">
-            <a:avLst/>
-          </a:prstGeom>
-          <a:solidFill>
-            <a:schemeClr val="tx2"/>
-          </a:solidFill>
-          <a:ln>
-            <a:noFill/>
-          </a:ln>
-        </p:spPr>
-        <p:style>
-          <a:lnRef idx="2">
-            <a:schemeClr val="accent1">
-              <a:shade val="50000"/>
-            </a:schemeClr>
-          </a:lnRef>
-          <a:fillRef idx="1">
-            <a:schemeClr val="accent1"/>
-          </a:fillRef>
-          <a:effectRef idx="0">
-            <a:schemeClr val="accent1"/>
-          </a:effectRef>
-          <a:fontRef idx="minor">
-            <a:schemeClr val="lt1"/>
-          </a:fontRef>
-        </p:style>
-        <p:txBody>
-          <a:bodyPr rtlCol="0" anchor="ctr"/>
-          <a:lstStyle/>
-          <a:p>
-            <a:pPr algn="ctr"/>
-            <a:endParaRPr lang="en-US"/>
-          </a:p>
-        </p:txBody>
-      </p:sp>
       <p:pic>
         <p:nvPicPr>
-          <p:cNvPr id="7" name="Bildobjekt 6">
-            <a:extLst>
-              <a:ext uri="{FF2B5EF4-FFF2-40B4-BE49-F238E27FC236}">
-                <a16:creationId xmlns:a16="http://schemas.microsoft.com/office/drawing/2014/main" id="{8FF245CE-EE35-4FF6-B721-EB1D2E4C369A}"/>
+          <p:cNvPr id="5" name="Bildobjekt 4">
+            <a:extLst>
+              <a:ext uri="{FF2B5EF4-FFF2-40B4-BE49-F238E27FC236}">
+                <a16:creationId xmlns:a16="http://schemas.microsoft.com/office/drawing/2014/main" id="{30541309-742C-4ED5-A485-3B35B3386257}"/>
               </a:ext>
             </a:extLst>
           </p:cNvPr>
@@ -5424,7 +4949,7 @@
     </p:spTree>
     <p:extLst>
       <p:ext uri="{BB962C8B-B14F-4D97-AF65-F5344CB8AC3E}">
-        <p14:creationId xmlns:p14="http://schemas.microsoft.com/office/powerpoint/2010/main" val="3048295511"/>
+        <p14:creationId xmlns:p14="http://schemas.microsoft.com/office/powerpoint/2010/main" val="2056222824"/>
       </p:ext>
     </p:extLst>
   </p:cSld>
@@ -5467,7 +4992,12 @@
             <p:ph type="title"/>
           </p:nvPr>
         </p:nvSpPr>
-        <p:spPr/>
+        <p:spPr>
+          <a:xfrm>
+            <a:off x="0" y="705113"/>
+            <a:ext cx="4343400" cy="5197498"/>
+          </a:xfrm>
+        </p:spPr>
         <p:txBody>
           <a:bodyPr/>
           <a:lstStyle/>
@@ -5600,7 +5130,12 @@
             <p:ph type="title"/>
           </p:nvPr>
         </p:nvSpPr>
-        <p:spPr/>
+        <p:spPr>
+          <a:xfrm>
+            <a:off x="80849" y="705113"/>
+            <a:ext cx="4291125" cy="5197498"/>
+          </a:xfrm>
+        </p:spPr>
         <p:txBody>
           <a:bodyPr/>
           <a:lstStyle/>
@@ -5649,10 +5184,10 @@
       </p:pic>
       <p:pic>
         <p:nvPicPr>
-          <p:cNvPr id="9" name="Bildobjekt 8" descr="En bild som visar text&#10;&#10;Automatiskt genererad beskrivning">
-            <a:extLst>
-              <a:ext uri="{FF2B5EF4-FFF2-40B4-BE49-F238E27FC236}">
-                <a16:creationId xmlns:a16="http://schemas.microsoft.com/office/drawing/2014/main" id="{F128B9FE-E8B9-44AC-BD96-7BC7AEB45CE3}"/>
+          <p:cNvPr id="7" name="Bildobjekt 6" descr="En bild som visar text&#10;&#10;Automatiskt genererad beskrivning">
+            <a:extLst>
+              <a:ext uri="{FF2B5EF4-FFF2-40B4-BE49-F238E27FC236}">
+                <a16:creationId xmlns:a16="http://schemas.microsoft.com/office/drawing/2014/main" id="{05AB55F3-5601-4DED-8B92-D1947A16C267}"/>
               </a:ext>
             </a:extLst>
           </p:cNvPr>
@@ -5675,8 +5210,8 @@
         </p:blipFill>
         <p:spPr>
           <a:xfrm>
-            <a:off x="4656613" y="19051"/>
-            <a:ext cx="3688400" cy="2057578"/>
+            <a:off x="6835806" y="1504950"/>
+            <a:ext cx="5275345" cy="2181224"/>
           </a:xfrm>
           <a:prstGeom prst="rect">
             <a:avLst/>
@@ -5685,10 +5220,10 @@
       </p:pic>
       <p:pic>
         <p:nvPicPr>
-          <p:cNvPr id="7" name="Bildobjekt 6" descr="En bild som visar text&#10;&#10;Automatiskt genererad beskrivning">
-            <a:extLst>
-              <a:ext uri="{FF2B5EF4-FFF2-40B4-BE49-F238E27FC236}">
-                <a16:creationId xmlns:a16="http://schemas.microsoft.com/office/drawing/2014/main" id="{05AB55F3-5601-4DED-8B92-D1947A16C267}"/>
+          <p:cNvPr id="18" name="Bild 17" descr="Bricka kontur">
+            <a:extLst>
+              <a:ext uri="{FF2B5EF4-FFF2-40B4-BE49-F238E27FC236}">
+                <a16:creationId xmlns:a16="http://schemas.microsoft.com/office/drawing/2014/main" id="{F77995C9-6495-4585-A618-8E55976FC9B8}"/>
               </a:ext>
             </a:extLst>
           </p:cNvPr>
@@ -5703,6 +5238,9 @@
               <a:ext uri="{28A0092B-C50C-407E-A947-70E740481C1C}">
                 <a14:useLocalDpi xmlns:a14="http://schemas.microsoft.com/office/drawing/2010/main" val="0"/>
               </a:ext>
+              <a:ext uri="{96DAC541-7B7A-43D3-8B79-37D633B846F1}">
+                <asvg:svgBlip xmlns:asvg="http://schemas.microsoft.com/office/drawing/2016/SVG/main" r:embed="rId5"/>
+              </a:ext>
             </a:extLst>
           </a:blip>
           <a:stretch>
@@ -5711,8 +5249,8 @@
         </p:blipFill>
         <p:spPr>
           <a:xfrm>
-            <a:off x="7662976" y="1504950"/>
-            <a:ext cx="4448175" cy="2181224"/>
+            <a:off x="11277600" y="1504950"/>
+            <a:ext cx="914400" cy="914400"/>
           </a:xfrm>
           <a:prstGeom prst="rect">
             <a:avLst/>
@@ -5721,10 +5259,10 @@
       </p:pic>
       <p:pic>
         <p:nvPicPr>
-          <p:cNvPr id="16" name="Bild 15" descr="Märke 1 kontur">
-            <a:extLst>
-              <a:ext uri="{FF2B5EF4-FFF2-40B4-BE49-F238E27FC236}">
-                <a16:creationId xmlns:a16="http://schemas.microsoft.com/office/drawing/2014/main" id="{814700AF-D98D-4CE2-9AB6-8D712D49EF54}"/>
+          <p:cNvPr id="4" name="Bildobjekt 3" descr="En bild som visar text&#10;&#10;Automatiskt genererad beskrivning">
+            <a:extLst>
+              <a:ext uri="{FF2B5EF4-FFF2-40B4-BE49-F238E27FC236}">
+                <a16:creationId xmlns:a16="http://schemas.microsoft.com/office/drawing/2014/main" id="{D7C56086-A9AD-41C9-88D9-4D30FA44CB34}"/>
               </a:ext>
             </a:extLst>
           </p:cNvPr>
@@ -5734,13 +5272,10 @@
           <p:nvPr/>
         </p:nvPicPr>
         <p:blipFill>
-          <a:blip r:embed="rId5">
+          <a:blip r:embed="rId6">
             <a:extLst>
               <a:ext uri="{28A0092B-C50C-407E-A947-70E740481C1C}">
                 <a14:useLocalDpi xmlns:a14="http://schemas.microsoft.com/office/drawing/2010/main" val="0"/>
-              </a:ext>
-              <a:ext uri="{96DAC541-7B7A-43D3-8B79-37D633B846F1}">
-                <asvg:svgBlip xmlns:asvg="http://schemas.microsoft.com/office/drawing/2016/SVG/main" r:embed="rId6"/>
               </a:ext>
             </a:extLst>
           </a:blip>
@@ -5750,8 +5285,8 @@
         </p:blipFill>
         <p:spPr>
           <a:xfrm>
-            <a:off x="7311816" y="19051"/>
-            <a:ext cx="914400" cy="914400"/>
+            <a:off x="4691063" y="0"/>
+            <a:ext cx="5873364" cy="1504950"/>
           </a:xfrm>
           <a:prstGeom prst="rect">
             <a:avLst/>
@@ -5760,10 +5295,10 @@
       </p:pic>
       <p:pic>
         <p:nvPicPr>
-          <p:cNvPr id="18" name="Bild 17" descr="Bricka kontur">
-            <a:extLst>
-              <a:ext uri="{FF2B5EF4-FFF2-40B4-BE49-F238E27FC236}">
-                <a16:creationId xmlns:a16="http://schemas.microsoft.com/office/drawing/2014/main" id="{F77995C9-6495-4585-A618-8E55976FC9B8}"/>
+          <p:cNvPr id="16" name="Bild 15" descr="Märke 1 kontur">
+            <a:extLst>
+              <a:ext uri="{FF2B5EF4-FFF2-40B4-BE49-F238E27FC236}">
+                <a16:creationId xmlns:a16="http://schemas.microsoft.com/office/drawing/2014/main" id="{814700AF-D98D-4CE2-9AB6-8D712D49EF54}"/>
               </a:ext>
             </a:extLst>
           </p:cNvPr>
@@ -5789,8 +5324,8 @@
         </p:blipFill>
         <p:spPr>
           <a:xfrm>
-            <a:off x="10782300" y="1619429"/>
-            <a:ext cx="914400" cy="914400"/>
+            <a:off x="9897184" y="0"/>
+            <a:ext cx="667243" cy="667243"/>
           </a:xfrm>
           <a:prstGeom prst="rect">
             <a:avLst/>
@@ -5799,10 +5334,10 @@
       </p:pic>
       <p:pic>
         <p:nvPicPr>
-          <p:cNvPr id="20" name="Bild 19" descr="Märke 3 kontur">
-            <a:extLst>
-              <a:ext uri="{FF2B5EF4-FFF2-40B4-BE49-F238E27FC236}">
-                <a16:creationId xmlns:a16="http://schemas.microsoft.com/office/drawing/2014/main" id="{D6A340A7-D4DF-4781-A701-3AC08A87A9AB}"/>
+          <p:cNvPr id="8" name="Bild 7" descr="Märke 3 kontur">
+            <a:extLst>
+              <a:ext uri="{FF2B5EF4-FFF2-40B4-BE49-F238E27FC236}">
+                <a16:creationId xmlns:a16="http://schemas.microsoft.com/office/drawing/2014/main" id="{240F0B96-60A9-4102-8CCD-721772DBA20F}"/>
               </a:ext>
             </a:extLst>
           </p:cNvPr>
@@ -5828,7 +5363,7 @@
         </p:blipFill>
         <p:spPr>
           <a:xfrm>
-            <a:off x="9639300" y="3900487"/>
+            <a:off x="11196751" y="3524251"/>
             <a:ext cx="914400" cy="914400"/>
           </a:xfrm>
           <a:prstGeom prst="rect">
@@ -5840,86 +5375,6 @@
     <p:extLst>
       <p:ext uri="{BB962C8B-B14F-4D97-AF65-F5344CB8AC3E}">
         <p14:creationId xmlns:p14="http://schemas.microsoft.com/office/powerpoint/2010/main" val="1333675599"/>
-      </p:ext>
-    </p:extLst>
-  </p:cSld>
-  <p:clrMapOvr>
-    <a:masterClrMapping/>
-  </p:clrMapOvr>
-</p:sld>
-</file>
-
-<file path=ppt/slides/slide7.xml><?xml version="1.0" encoding="utf-8"?>
-<p:sld xmlns:a="http://schemas.openxmlformats.org/drawingml/2006/main" xmlns:r="http://schemas.openxmlformats.org/officeDocument/2006/relationships" xmlns:p="http://schemas.openxmlformats.org/presentationml/2006/main">
-  <p:cSld>
-    <p:spTree>
-      <p:nvGrpSpPr>
-        <p:cNvPr id="1" name=""/>
-        <p:cNvGrpSpPr/>
-        <p:nvPr/>
-      </p:nvGrpSpPr>
-      <p:grpSpPr>
-        <a:xfrm>
-          <a:off x="0" y="0"/>
-          <a:ext cx="0" cy="0"/>
-          <a:chOff x="0" y="0"/>
-          <a:chExt cx="0" cy="0"/>
-        </a:xfrm>
-      </p:grpSpPr>
-      <p:sp>
-        <p:nvSpPr>
-          <p:cNvPr id="2" name="Rubrik 1">
-            <a:extLst>
-              <a:ext uri="{FF2B5EF4-FFF2-40B4-BE49-F238E27FC236}">
-                <a16:creationId xmlns:a16="http://schemas.microsoft.com/office/drawing/2014/main" id="{CF697708-EAF7-4ADB-9E42-E54EE20A24D4}"/>
-              </a:ext>
-            </a:extLst>
-          </p:cNvPr>
-          <p:cNvSpPr>
-            <a:spLocks noGrp="1"/>
-          </p:cNvSpPr>
-          <p:nvPr>
-            <p:ph type="title"/>
-          </p:nvPr>
-        </p:nvSpPr>
-        <p:spPr/>
-        <p:txBody>
-          <a:bodyPr/>
-          <a:lstStyle/>
-          <a:p>
-            <a:endParaRPr lang="sv-SE"/>
-          </a:p>
-        </p:txBody>
-      </p:sp>
-      <p:sp>
-        <p:nvSpPr>
-          <p:cNvPr id="3" name="Platshållare för innehåll 2">
-            <a:extLst>
-              <a:ext uri="{FF2B5EF4-FFF2-40B4-BE49-F238E27FC236}">
-                <a16:creationId xmlns:a16="http://schemas.microsoft.com/office/drawing/2014/main" id="{FF828E9B-537F-46B3-B8B3-B3ED287AD7CF}"/>
-              </a:ext>
-            </a:extLst>
-          </p:cNvPr>
-          <p:cNvSpPr>
-            <a:spLocks noGrp="1"/>
-          </p:cNvSpPr>
-          <p:nvPr>
-            <p:ph idx="1"/>
-          </p:nvPr>
-        </p:nvSpPr>
-        <p:spPr/>
-        <p:txBody>
-          <a:bodyPr/>
-          <a:lstStyle/>
-          <a:p>
-            <a:endParaRPr lang="sv-SE"/>
-          </a:p>
-        </p:txBody>
-      </p:sp>
-    </p:spTree>
-    <p:extLst>
-      <p:ext uri="{BB962C8B-B14F-4D97-AF65-F5344CB8AC3E}">
-        <p14:creationId xmlns:p14="http://schemas.microsoft.com/office/powerpoint/2010/main" val="1046629634"/>
       </p:ext>
     </p:extLst>
   </p:cSld>
